--- a/poster/Flight Delay.pptx
+++ b/poster/Flight Delay.pptx
@@ -3884,27 +3884,7 @@
                 <a:effectLst/>
                 <a:latin typeface="Google Sans"/>
               </a:rPr>
-              <a:t>Atlantic hurricane season has a major effect on the Flight delay, which peaks from June to </a:t>
-            </a:r>
-            <a:r>
-              <a:rPr lang="en-US" b="0" i="0" dirty="0" err="1">
-                <a:solidFill>
-                  <a:srgbClr val="202124"/>
-                </a:solidFill>
-                <a:effectLst/>
-                <a:latin typeface="Google Sans"/>
-              </a:rPr>
-              <a:t>Auguest</a:t>
-            </a:r>
-            <a:r>
-              <a:rPr lang="en-US" b="0" i="0" dirty="0">
-                <a:solidFill>
-                  <a:srgbClr val="202124"/>
-                </a:solidFill>
-                <a:effectLst/>
-                <a:latin typeface="Google Sans"/>
-              </a:rPr>
-              <a:t>. </a:t>
+              <a:t>Atlantic hurricane season has a major effect on the Flight Delay, which peaks from June to August. </a:t>
             </a:r>
             <a:endParaRPr lang="ru-RU" dirty="0"/>
           </a:p>
@@ -3933,11 +3913,7 @@
           <a:p>
             <a:r>
               <a:rPr lang="en-US" dirty="0"/>
-              <a:t>The particular day of the </a:t>
-            </a:r>
-            <a:r>
-              <a:rPr lang="en-US"/>
-              <a:t>month doesn’t seems to be </a:t>
+              <a:t>The day of the month doesn’t seem to have any real effect on the Fight Delay time. </a:t>
             </a:r>
             <a:endParaRPr lang="ru-RU" dirty="0"/>
           </a:p>
@@ -3966,7 +3942,7 @@
           <a:p>
             <a:r>
               <a:rPr lang="en-US" dirty="0"/>
-              <a:t>Lorem ipsum dolor sit amet, consectetuer adipiscing elit. Maecenas porttitor congue massa. Fusce posuere</a:t>
+              <a:t>Wind speed around 2~4 m/s have the highest occurrences of Flight Delay, but the correlation is not strong.</a:t>
             </a:r>
             <a:endParaRPr lang="ru-RU" dirty="0"/>
           </a:p>
@@ -3994,8 +3970,8 @@
           <a:lstStyle/>
           <a:p>
             <a:r>
-              <a:rPr lang="en-US" dirty="0"/>
-              <a:t>Lorem ipsum dolor sit amet, consectetuer adipiscing elit. Maecenas porttitor congue massa. Fusce posuere</a:t>
+              <a:rPr lang="en-US" altLang="zh-CN" dirty="0"/>
+              <a:t>Temperature from 15 to 25 Celsius has the highest amount of Flight Delay. This might be due to </a:t>
             </a:r>
             <a:endParaRPr lang="ru-RU" dirty="0"/>
           </a:p>
@@ -4117,12 +4093,307 @@
           </a:p>
         </p:txBody>
       </p:sp>
+      <p:sp>
+        <p:nvSpPr>
+          <p:cNvPr id="20" name="Text Placeholder 19">
+            <a:extLst>
+              <a:ext uri="{FF2B5EF4-FFF2-40B4-BE49-F238E27FC236}">
+                <a16:creationId xmlns:a16="http://schemas.microsoft.com/office/drawing/2014/main" id="{6F7E1B58-5238-46CA-84EF-D6F53C63A0DF}"/>
+              </a:ext>
+            </a:extLst>
+          </p:cNvPr>
+          <p:cNvSpPr>
+            <a:spLocks noGrp="1"/>
+          </p:cNvSpPr>
+          <p:nvPr>
+            <p:ph type="body" sz="quarter" idx="27"/>
+          </p:nvPr>
+        </p:nvSpPr>
+        <p:spPr/>
+        <p:txBody>
+          <a:bodyPr/>
+          <a:lstStyle/>
+          <a:p>
+            <a:r>
+              <a:rPr lang="en-US" altLang="zh-CN" dirty="0"/>
+              <a:t>Flight Delay</a:t>
+            </a:r>
+            <a:endParaRPr lang="ru-RU" dirty="0"/>
+          </a:p>
+        </p:txBody>
+      </p:sp>
+      <p:sp>
+        <p:nvSpPr>
+          <p:cNvPr id="19" name="Text Placeholder 18">
+            <a:extLst>
+              <a:ext uri="{FF2B5EF4-FFF2-40B4-BE49-F238E27FC236}">
+                <a16:creationId xmlns:a16="http://schemas.microsoft.com/office/drawing/2014/main" id="{40A26A96-E6C0-49B1-B2C7-367E1E0F0FC5}"/>
+              </a:ext>
+            </a:extLst>
+          </p:cNvPr>
+          <p:cNvSpPr>
+            <a:spLocks noGrp="1"/>
+          </p:cNvSpPr>
+          <p:nvPr>
+            <p:ph type="body" sz="quarter" idx="26"/>
+          </p:nvPr>
+        </p:nvSpPr>
+        <p:spPr>
+          <a:xfrm>
+            <a:off x="2640710" y="5327194"/>
+            <a:ext cx="1586637" cy="633600"/>
+          </a:xfrm>
+        </p:spPr>
+        <p:txBody>
+          <a:bodyPr/>
+          <a:lstStyle/>
+          <a:p>
+            <a:r>
+              <a:rPr lang="en-US" dirty="0"/>
+              <a:t>Flight delay can be a major downside for taking commercial aviation. It is of paramount importance to understand what might cause a flight delay in order to make better predictions ahead of time.  </a:t>
+            </a:r>
+            <a:endParaRPr lang="ru-RU" dirty="0"/>
+          </a:p>
+        </p:txBody>
+      </p:sp>
+      <p:sp>
+        <p:nvSpPr>
+          <p:cNvPr id="15" name="Text Placeholder 14">
+            <a:extLst>
+              <a:ext uri="{FF2B5EF4-FFF2-40B4-BE49-F238E27FC236}">
+                <a16:creationId xmlns:a16="http://schemas.microsoft.com/office/drawing/2014/main" id="{6FBC7ACE-41BF-4DD1-82FB-60DBD927CEC3}"/>
+              </a:ext>
+            </a:extLst>
+          </p:cNvPr>
+          <p:cNvSpPr>
+            <a:spLocks noGrp="1"/>
+          </p:cNvSpPr>
+          <p:nvPr>
+            <p:ph type="body" sz="quarter" idx="22"/>
+          </p:nvPr>
+        </p:nvSpPr>
+        <p:spPr/>
+        <p:txBody>
+          <a:bodyPr/>
+          <a:lstStyle/>
+          <a:p>
+            <a:r>
+              <a:rPr lang="en-US" dirty="0"/>
+              <a:t>Clouds</a:t>
+            </a:r>
+            <a:endParaRPr lang="ru-RU" dirty="0"/>
+          </a:p>
+        </p:txBody>
+      </p:sp>
+      <p:sp>
+        <p:nvSpPr>
+          <p:cNvPr id="17" name="Text Placeholder 16">
+            <a:extLst>
+              <a:ext uri="{FF2B5EF4-FFF2-40B4-BE49-F238E27FC236}">
+                <a16:creationId xmlns:a16="http://schemas.microsoft.com/office/drawing/2014/main" id="{1311BD64-F862-4C85-8A6B-37D094B46EC2}"/>
+              </a:ext>
+            </a:extLst>
+          </p:cNvPr>
+          <p:cNvSpPr>
+            <a:spLocks noGrp="1"/>
+          </p:cNvSpPr>
+          <p:nvPr>
+            <p:ph type="body" sz="quarter" idx="24"/>
+          </p:nvPr>
+        </p:nvSpPr>
+        <p:spPr/>
+        <p:txBody>
+          <a:bodyPr/>
+          <a:lstStyle/>
+          <a:p>
+            <a:r>
+              <a:rPr lang="en-US" dirty="0"/>
+              <a:t>Latitude</a:t>
+            </a:r>
+            <a:endParaRPr lang="ru-RU" dirty="0"/>
+          </a:p>
+        </p:txBody>
+      </p:sp>
+      <p:sp>
+        <p:nvSpPr>
+          <p:cNvPr id="18" name="Text Placeholder 17">
+            <a:extLst>
+              <a:ext uri="{FF2B5EF4-FFF2-40B4-BE49-F238E27FC236}">
+                <a16:creationId xmlns:a16="http://schemas.microsoft.com/office/drawing/2014/main" id="{9F49BD41-5F0B-49E8-AF7C-6FE6299E9CD2}"/>
+              </a:ext>
+            </a:extLst>
+          </p:cNvPr>
+          <p:cNvSpPr>
+            <a:spLocks noGrp="1"/>
+          </p:cNvSpPr>
+          <p:nvPr>
+            <p:ph type="body" sz="quarter" idx="25"/>
+          </p:nvPr>
+        </p:nvSpPr>
+        <p:spPr/>
+        <p:txBody>
+          <a:bodyPr/>
+          <a:lstStyle/>
+          <a:p>
+            <a:r>
+              <a:rPr lang="en-US" dirty="0"/>
+              <a:t>Longitude</a:t>
+            </a:r>
+            <a:endParaRPr lang="ru-RU" dirty="0"/>
+          </a:p>
+        </p:txBody>
+      </p:sp>
+      <p:sp>
+        <p:nvSpPr>
+          <p:cNvPr id="16" name="Text Placeholder 15">
+            <a:extLst>
+              <a:ext uri="{FF2B5EF4-FFF2-40B4-BE49-F238E27FC236}">
+                <a16:creationId xmlns:a16="http://schemas.microsoft.com/office/drawing/2014/main" id="{E964837D-B749-47C0-8859-B608F056C11F}"/>
+              </a:ext>
+            </a:extLst>
+          </p:cNvPr>
+          <p:cNvSpPr>
+            <a:spLocks noGrp="1"/>
+          </p:cNvSpPr>
+          <p:nvPr>
+            <p:ph type="body" sz="quarter" idx="23"/>
+          </p:nvPr>
+        </p:nvSpPr>
+        <p:spPr/>
+        <p:txBody>
+          <a:bodyPr/>
+          <a:lstStyle/>
+          <a:p>
+            <a:r>
+              <a:rPr lang="en-US" dirty="0"/>
+              <a:t>Depart Time</a:t>
+            </a:r>
+            <a:endParaRPr lang="ru-RU" dirty="0"/>
+          </a:p>
+        </p:txBody>
+      </p:sp>
+      <p:sp>
+        <p:nvSpPr>
+          <p:cNvPr id="7" name="Text Placeholder 6">
+            <a:extLst>
+              <a:ext uri="{FF2B5EF4-FFF2-40B4-BE49-F238E27FC236}">
+                <a16:creationId xmlns:a16="http://schemas.microsoft.com/office/drawing/2014/main" id="{3566C738-D968-418F-8856-EF4E76E999DB}"/>
+              </a:ext>
+            </a:extLst>
+          </p:cNvPr>
+          <p:cNvSpPr>
+            <a:spLocks noGrp="1"/>
+          </p:cNvSpPr>
+          <p:nvPr>
+            <p:ph type="body" sz="quarter" idx="14"/>
+          </p:nvPr>
+        </p:nvSpPr>
+        <p:spPr/>
+        <p:txBody>
+          <a:bodyPr/>
+          <a:lstStyle/>
+          <a:p>
+            <a:r>
+              <a:rPr lang="en-US" dirty="0"/>
+              <a:t>Holder</a:t>
+            </a:r>
+            <a:endParaRPr lang="ru-RU" dirty="0"/>
+          </a:p>
+        </p:txBody>
+      </p:sp>
+      <p:sp>
+        <p:nvSpPr>
+          <p:cNvPr id="9" name="Text Placeholder 8">
+            <a:extLst>
+              <a:ext uri="{FF2B5EF4-FFF2-40B4-BE49-F238E27FC236}">
+                <a16:creationId xmlns:a16="http://schemas.microsoft.com/office/drawing/2014/main" id="{6744FA19-886F-400B-8F4B-304605162AB0}"/>
+              </a:ext>
+            </a:extLst>
+          </p:cNvPr>
+          <p:cNvSpPr>
+            <a:spLocks noGrp="1"/>
+          </p:cNvSpPr>
+          <p:nvPr>
+            <p:ph type="body" sz="quarter" idx="16"/>
+          </p:nvPr>
+        </p:nvSpPr>
+        <p:spPr/>
+        <p:txBody>
+          <a:bodyPr/>
+          <a:lstStyle/>
+          <a:p>
+            <a:r>
+              <a:rPr lang="en-US" dirty="0"/>
+              <a:t>Holder</a:t>
+            </a:r>
+            <a:endParaRPr lang="ru-RU" dirty="0"/>
+          </a:p>
+        </p:txBody>
+      </p:sp>
+      <p:sp>
+        <p:nvSpPr>
+          <p:cNvPr id="10" name="Text Placeholder 9">
+            <a:extLst>
+              <a:ext uri="{FF2B5EF4-FFF2-40B4-BE49-F238E27FC236}">
+                <a16:creationId xmlns:a16="http://schemas.microsoft.com/office/drawing/2014/main" id="{B5A1FC36-9475-4B00-93FA-42D000222D7C}"/>
+              </a:ext>
+            </a:extLst>
+          </p:cNvPr>
+          <p:cNvSpPr>
+            <a:spLocks noGrp="1"/>
+          </p:cNvSpPr>
+          <p:nvPr>
+            <p:ph type="body" sz="quarter" idx="17"/>
+          </p:nvPr>
+        </p:nvSpPr>
+        <p:spPr/>
+        <p:txBody>
+          <a:bodyPr/>
+          <a:lstStyle/>
+          <a:p>
+            <a:r>
+              <a:rPr lang="en-US" dirty="0"/>
+              <a:t>Holder</a:t>
+            </a:r>
+            <a:endParaRPr lang="ru-RU" dirty="0"/>
+          </a:p>
+        </p:txBody>
+      </p:sp>
+      <p:sp>
+        <p:nvSpPr>
+          <p:cNvPr id="8" name="Text Placeholder 7">
+            <a:extLst>
+              <a:ext uri="{FF2B5EF4-FFF2-40B4-BE49-F238E27FC236}">
+                <a16:creationId xmlns:a16="http://schemas.microsoft.com/office/drawing/2014/main" id="{4BE9F4AE-6660-47E7-9A2C-E221974BEFC0}"/>
+              </a:ext>
+            </a:extLst>
+          </p:cNvPr>
+          <p:cNvSpPr>
+            <a:spLocks noGrp="1"/>
+          </p:cNvSpPr>
+          <p:nvPr>
+            <p:ph type="body" sz="quarter" idx="15"/>
+          </p:nvPr>
+        </p:nvSpPr>
+        <p:spPr/>
+        <p:txBody>
+          <a:bodyPr/>
+          <a:lstStyle/>
+          <a:p>
+            <a:r>
+              <a:rPr lang="en-US" dirty="0"/>
+              <a:t>Holder</a:t>
+            </a:r>
+            <a:endParaRPr lang="ru-RU" dirty="0"/>
+          </a:p>
+        </p:txBody>
+      </p:sp>
       <p:pic>
         <p:nvPicPr>
-          <p:cNvPr id="92" name="Picture Placeholder 91" descr="House icon">
-            <a:extLst>
-              <a:ext uri="{FF2B5EF4-FFF2-40B4-BE49-F238E27FC236}">
-                <a16:creationId xmlns:a16="http://schemas.microsoft.com/office/drawing/2014/main" id="{2E159465-1E7F-4A5F-AB99-89C9D7708345}"/>
+          <p:cNvPr id="30" name="Picture Placeholder 29" descr="Diagram&#10;&#10;Description automatically generated">
+            <a:extLst>
+              <a:ext uri="{FF2B5EF4-FFF2-40B4-BE49-F238E27FC236}">
+                <a16:creationId xmlns:a16="http://schemas.microsoft.com/office/drawing/2014/main" id="{07F09548-9BC1-B134-23A5-677CF0658007}"/>
               </a:ext>
             </a:extLst>
           </p:cNvPr>
@@ -4130,17 +4401,41 @@
             <a:picLocks noGrp="1" noChangeAspect="1"/>
           </p:cNvPicPr>
           <p:nvPr>
-            <p:ph type="pic" sz="quarter" idx="30"/>
+            <p:ph type="pic" sz="quarter" idx="28"/>
           </p:nvPr>
         </p:nvPicPr>
         <p:blipFill>
-          <a:blip r:embed="rId2">
-            <a:extLst>
-              <a:ext uri="{96DAC541-7B7A-43D3-8B79-37D633B846F1}">
-                <asvg:svgBlip xmlns:asvg="http://schemas.microsoft.com/office/drawing/2016/SVG/main" r:embed="rId3"/>
-              </a:ext>
-            </a:extLst>
-          </a:blip>
+          <a:blip r:embed="rId2"/>
+          <a:srcRect l="7792" r="7792"/>
+          <a:stretch>
+            <a:fillRect/>
+          </a:stretch>
+        </p:blipFill>
+        <p:spPr>
+          <a:xfrm>
+            <a:off x="573677" y="2471218"/>
+            <a:ext cx="766763" cy="766762"/>
+          </a:xfrm>
+        </p:spPr>
+      </p:pic>
+      <p:pic>
+        <p:nvPicPr>
+          <p:cNvPr id="34" name="Picture Placeholder 33" descr="A picture containing arrow&#10;&#10;Description automatically generated">
+            <a:extLst>
+              <a:ext uri="{FF2B5EF4-FFF2-40B4-BE49-F238E27FC236}">
+                <a16:creationId xmlns:a16="http://schemas.microsoft.com/office/drawing/2014/main" id="{7EEF1778-D075-6097-CD01-7CFC8000F7E5}"/>
+              </a:ext>
+            </a:extLst>
+          </p:cNvPr>
+          <p:cNvPicPr>
+            <a:picLocks noGrp="1" noChangeAspect="1"/>
+          </p:cNvPicPr>
+          <p:nvPr>
+            <p:ph type="pic" sz="quarter" idx="29"/>
+          </p:nvPr>
+        </p:nvPicPr>
+        <p:blipFill>
+          <a:blip r:embed="rId3"/>
           <a:srcRect/>
           <a:stretch>
             <a:fillRect/>
@@ -4150,10 +4445,10 @@
       </p:pic>
       <p:pic>
         <p:nvPicPr>
-          <p:cNvPr id="94" name="Picture Placeholder 93" descr="Heart icon">
-            <a:extLst>
-              <a:ext uri="{FF2B5EF4-FFF2-40B4-BE49-F238E27FC236}">
-                <a16:creationId xmlns:a16="http://schemas.microsoft.com/office/drawing/2014/main" id="{388BEC81-84A7-45CF-BD54-E74EC49E88AA}"/>
+          <p:cNvPr id="38" name="Picture Placeholder 37" descr="A white clock with black hands&#10;&#10;Description automatically generated with low confidence">
+            <a:extLst>
+              <a:ext uri="{FF2B5EF4-FFF2-40B4-BE49-F238E27FC236}">
+                <a16:creationId xmlns:a16="http://schemas.microsoft.com/office/drawing/2014/main" id="{6A9EA271-BAD7-7ADF-FC03-AA782EF94D33}"/>
               </a:ext>
             </a:extLst>
           </p:cNvPr>
@@ -4161,17 +4456,36 @@
             <a:picLocks noGrp="1" noChangeAspect="1"/>
           </p:cNvPicPr>
           <p:nvPr>
-            <p:ph type="pic" sz="quarter" idx="31"/>
+            <p:ph type="pic" sz="quarter" idx="37"/>
           </p:nvPr>
         </p:nvPicPr>
         <p:blipFill>
-          <a:blip r:embed="rId4">
-            <a:extLst>
-              <a:ext uri="{96DAC541-7B7A-43D3-8B79-37D633B846F1}">
-                <asvg:svgBlip xmlns:asvg="http://schemas.microsoft.com/office/drawing/2016/SVG/main" r:embed="rId5"/>
-              </a:ext>
-            </a:extLst>
-          </a:blip>
+          <a:blip r:embed="rId4"/>
+          <a:srcRect l="20000" r="20000"/>
+          <a:stretch>
+            <a:fillRect/>
+          </a:stretch>
+        </p:blipFill>
+        <p:spPr/>
+      </p:pic>
+      <p:pic>
+        <p:nvPicPr>
+          <p:cNvPr id="46" name="Picture Placeholder 45" descr="Icon&#10;&#10;Description automatically generated">
+            <a:extLst>
+              <a:ext uri="{FF2B5EF4-FFF2-40B4-BE49-F238E27FC236}">
+                <a16:creationId xmlns:a16="http://schemas.microsoft.com/office/drawing/2014/main" id="{BC082D5B-F828-78BD-963C-2374D68FAA1E}"/>
+              </a:ext>
+            </a:extLst>
+          </p:cNvPr>
+          <p:cNvPicPr>
+            <a:picLocks noGrp="1" noChangeAspect="1"/>
+          </p:cNvPicPr>
+          <p:nvPr>
+            <p:ph type="pic" sz="quarter" idx="32"/>
+          </p:nvPr>
+        </p:nvPicPr>
+        <p:blipFill>
+          <a:blip r:embed="rId5"/>
           <a:srcRect/>
           <a:stretch>
             <a:fillRect/>
@@ -4181,10 +4495,10 @@
       </p:pic>
       <p:pic>
         <p:nvPicPr>
-          <p:cNvPr id="104" name="Picture Placeholder 103" descr="Money box icon">
-            <a:extLst>
-              <a:ext uri="{FF2B5EF4-FFF2-40B4-BE49-F238E27FC236}">
-                <a16:creationId xmlns:a16="http://schemas.microsoft.com/office/drawing/2014/main" id="{1E076406-ED61-49B5-A0E6-58AB97DDF3B0}"/>
+          <p:cNvPr id="42" name="Picture Placeholder 41" descr="A picture containing dome&#10;&#10;Description automatically generated">
+            <a:extLst>
+              <a:ext uri="{FF2B5EF4-FFF2-40B4-BE49-F238E27FC236}">
+                <a16:creationId xmlns:a16="http://schemas.microsoft.com/office/drawing/2014/main" id="{28FCDB8D-479F-34E7-FBEC-2DCFAD941A57}"/>
               </a:ext>
             </a:extLst>
           </p:cNvPr>
@@ -4192,88 +4506,24 @@
             <a:picLocks noGrp="1" noChangeAspect="1"/>
           </p:cNvPicPr>
           <p:nvPr>
-            <p:ph type="pic" sz="quarter" idx="37"/>
+            <p:ph type="pic" sz="quarter" idx="33"/>
           </p:nvPr>
         </p:nvPicPr>
         <p:blipFill>
-          <a:blip r:embed="rId6">
-            <a:extLst>
-              <a:ext uri="{96DAC541-7B7A-43D3-8B79-37D633B846F1}">
-                <asvg:svgBlip xmlns:asvg="http://schemas.microsoft.com/office/drawing/2016/SVG/main" r:embed="rId7"/>
-              </a:ext>
-            </a:extLst>
-          </a:blip>
-          <a:srcRect/>
+          <a:blip r:embed="rId6"/>
+          <a:srcRect t="584" b="584"/>
           <a:stretch>
             <a:fillRect/>
           </a:stretch>
         </p:blipFill>
         <p:spPr/>
       </p:pic>
-      <p:sp>
-        <p:nvSpPr>
-          <p:cNvPr id="20" name="Text Placeholder 19">
-            <a:extLst>
-              <a:ext uri="{FF2B5EF4-FFF2-40B4-BE49-F238E27FC236}">
-                <a16:creationId xmlns:a16="http://schemas.microsoft.com/office/drawing/2014/main" id="{6F7E1B58-5238-46CA-84EF-D6F53C63A0DF}"/>
-              </a:ext>
-            </a:extLst>
-          </p:cNvPr>
-          <p:cNvSpPr>
-            <a:spLocks noGrp="1"/>
-          </p:cNvSpPr>
-          <p:nvPr>
-            <p:ph type="body" sz="quarter" idx="27"/>
-          </p:nvPr>
-        </p:nvSpPr>
-        <p:spPr/>
-        <p:txBody>
-          <a:bodyPr/>
-          <a:lstStyle/>
-          <a:p>
-            <a:r>
-              <a:rPr lang="en-US" dirty="0"/>
-              <a:t>YOUR SAVINGS</a:t>
-            </a:r>
-            <a:endParaRPr lang="ru-RU" dirty="0"/>
-          </a:p>
-        </p:txBody>
-      </p:sp>
-      <p:sp>
-        <p:nvSpPr>
-          <p:cNvPr id="19" name="Text Placeholder 18">
-            <a:extLst>
-              <a:ext uri="{FF2B5EF4-FFF2-40B4-BE49-F238E27FC236}">
-                <a16:creationId xmlns:a16="http://schemas.microsoft.com/office/drawing/2014/main" id="{40A26A96-E6C0-49B1-B2C7-367E1E0F0FC5}"/>
-              </a:ext>
-            </a:extLst>
-          </p:cNvPr>
-          <p:cNvSpPr>
-            <a:spLocks noGrp="1"/>
-          </p:cNvSpPr>
-          <p:nvPr>
-            <p:ph type="body" sz="quarter" idx="26"/>
-          </p:nvPr>
-        </p:nvSpPr>
-        <p:spPr/>
-        <p:txBody>
-          <a:bodyPr/>
-          <a:lstStyle/>
-          <a:p>
-            <a:r>
-              <a:rPr lang="en-US" dirty="0"/>
-              <a:t>Lorem ipsum dolor sit amet, consectetuer adipiscing elit. Maecenas porttitor congue massa. Fusce posuere, magna sed pulvinar ultricies, purus lectus</a:t>
-            </a:r>
-            <a:endParaRPr lang="ru-RU" dirty="0"/>
-          </a:p>
-        </p:txBody>
-      </p:sp>
       <p:pic>
         <p:nvPicPr>
-          <p:cNvPr id="96" name="Picture Placeholder 95" descr="Phone icon">
-            <a:extLst>
-              <a:ext uri="{FF2B5EF4-FFF2-40B4-BE49-F238E27FC236}">
-                <a16:creationId xmlns:a16="http://schemas.microsoft.com/office/drawing/2014/main" id="{693BE813-722C-4719-A188-43EDAA4A0F59}"/>
+          <p:cNvPr id="44" name="Picture Placeholder 43" descr="Chart, radar chart&#10;&#10;Description automatically generated">
+            <a:extLst>
+              <a:ext uri="{FF2B5EF4-FFF2-40B4-BE49-F238E27FC236}">
+                <a16:creationId xmlns:a16="http://schemas.microsoft.com/office/drawing/2014/main" id="{A19D71AD-E9C2-4E54-12B5-C794459130F7}"/>
               </a:ext>
             </a:extLst>
           </p:cNvPr>
@@ -4281,17 +4531,36 @@
             <a:picLocks noGrp="1" noChangeAspect="1"/>
           </p:cNvPicPr>
           <p:nvPr>
-            <p:ph type="pic" sz="quarter" idx="32"/>
+            <p:ph type="pic" sz="quarter" idx="34"/>
           </p:nvPr>
         </p:nvPicPr>
         <p:blipFill>
-          <a:blip r:embed="rId8">
-            <a:extLst>
-              <a:ext uri="{96DAC541-7B7A-43D3-8B79-37D633B846F1}">
-                <asvg:svgBlip xmlns:asvg="http://schemas.microsoft.com/office/drawing/2016/SVG/main" r:embed="rId9"/>
-              </a:ext>
-            </a:extLst>
-          </a:blip>
+          <a:blip r:embed="rId7"/>
+          <a:srcRect l="1742" r="1742"/>
+          <a:stretch>
+            <a:fillRect/>
+          </a:stretch>
+        </p:blipFill>
+        <p:spPr/>
+      </p:pic>
+      <p:pic>
+        <p:nvPicPr>
+          <p:cNvPr id="40" name="Picture Placeholder 39" descr="A picture containing icon&#10;&#10;Description automatically generated">
+            <a:extLst>
+              <a:ext uri="{FF2B5EF4-FFF2-40B4-BE49-F238E27FC236}">
+                <a16:creationId xmlns:a16="http://schemas.microsoft.com/office/drawing/2014/main" id="{B1E324DE-B347-F6A7-7AF9-C64212125E52}"/>
+              </a:ext>
+            </a:extLst>
+          </p:cNvPr>
+          <p:cNvPicPr>
+            <a:picLocks noGrp="1" noChangeAspect="1"/>
+          </p:cNvPicPr>
+          <p:nvPr>
+            <p:ph type="pic" sz="quarter" idx="35"/>
+          </p:nvPr>
+        </p:nvPicPr>
+        <p:blipFill>
+          <a:blip r:embed="rId8"/>
           <a:srcRect/>
           <a:stretch>
             <a:fillRect/>
@@ -4301,10 +4570,10 @@
       </p:pic>
       <p:pic>
         <p:nvPicPr>
-          <p:cNvPr id="98" name="Picture Placeholder 97" descr="Credit card icon">
-            <a:extLst>
-              <a:ext uri="{FF2B5EF4-FFF2-40B4-BE49-F238E27FC236}">
-                <a16:creationId xmlns:a16="http://schemas.microsoft.com/office/drawing/2014/main" id="{397AB53F-85C9-4ADE-91F2-F4625252E0BA}"/>
+          <p:cNvPr id="57" name="Picture Placeholder 56" descr="Background pattern&#10;&#10;Description automatically generated">
+            <a:extLst>
+              <a:ext uri="{FF2B5EF4-FFF2-40B4-BE49-F238E27FC236}">
+                <a16:creationId xmlns:a16="http://schemas.microsoft.com/office/drawing/2014/main" id="{1F600C61-B225-952F-7F74-32A7769688BE}"/>
               </a:ext>
             </a:extLst>
           </p:cNvPr>
@@ -4312,18 +4581,12 @@
             <a:picLocks noGrp="1" noChangeAspect="1"/>
           </p:cNvPicPr>
           <p:nvPr>
-            <p:ph type="pic" sz="quarter" idx="33"/>
+            <p:ph type="pic" sz="quarter" idx="30"/>
           </p:nvPr>
         </p:nvPicPr>
         <p:blipFill>
-          <a:blip r:embed="rId10">
-            <a:extLst>
-              <a:ext uri="{96DAC541-7B7A-43D3-8B79-37D633B846F1}">
-                <asvg:svgBlip xmlns:asvg="http://schemas.microsoft.com/office/drawing/2016/SVG/main" r:embed="rId11"/>
-              </a:ext>
-            </a:extLst>
-          </a:blip>
-          <a:srcRect/>
+          <a:blip r:embed="rId9"/>
+          <a:srcRect l="13095" r="13095"/>
           <a:stretch>
             <a:fillRect/>
           </a:stretch>
@@ -4332,10 +4595,10 @@
       </p:pic>
       <p:pic>
         <p:nvPicPr>
-          <p:cNvPr id="100" name="Picture Placeholder 99" descr="Paper icon">
-            <a:extLst>
-              <a:ext uri="{FF2B5EF4-FFF2-40B4-BE49-F238E27FC236}">
-                <a16:creationId xmlns:a16="http://schemas.microsoft.com/office/drawing/2014/main" id="{BAE9D837-2345-4153-A125-5941F7FD8BD5}"/>
+          <p:cNvPr id="63" name="Picture Placeholder 62" descr="Diagram, schematic&#10;&#10;Description automatically generated">
+            <a:extLst>
+              <a:ext uri="{FF2B5EF4-FFF2-40B4-BE49-F238E27FC236}">
+                <a16:creationId xmlns:a16="http://schemas.microsoft.com/office/drawing/2014/main" id="{C76915E2-7410-E744-74F3-E2FF3C25619F}"/>
               </a:ext>
             </a:extLst>
           </p:cNvPr>
@@ -4343,331 +4606,12 @@
             <a:picLocks noGrp="1" noChangeAspect="1"/>
           </p:cNvPicPr>
           <p:nvPr>
-            <p:ph type="pic" sz="quarter" idx="34"/>
+            <p:ph type="pic" sz="quarter" idx="31"/>
           </p:nvPr>
         </p:nvPicPr>
         <p:blipFill>
-          <a:blip r:embed="rId12">
-            <a:extLst>
-              <a:ext uri="{96DAC541-7B7A-43D3-8B79-37D633B846F1}">
-                <asvg:svgBlip xmlns:asvg="http://schemas.microsoft.com/office/drawing/2016/SVG/main" r:embed="rId13"/>
-              </a:ext>
-            </a:extLst>
-          </a:blip>
-          <a:srcRect/>
-          <a:stretch>
-            <a:fillRect/>
-          </a:stretch>
-        </p:blipFill>
-        <p:spPr/>
-      </p:pic>
-      <p:pic>
-        <p:nvPicPr>
-          <p:cNvPr id="102" name="Picture Placeholder 101" descr="Bag icon">
-            <a:extLst>
-              <a:ext uri="{FF2B5EF4-FFF2-40B4-BE49-F238E27FC236}">
-                <a16:creationId xmlns:a16="http://schemas.microsoft.com/office/drawing/2014/main" id="{42ACD4AD-5917-4342-88CB-C3C5DEE05F91}"/>
-              </a:ext>
-            </a:extLst>
-          </p:cNvPr>
-          <p:cNvPicPr>
-            <a:picLocks noGrp="1" noChangeAspect="1"/>
-          </p:cNvPicPr>
-          <p:nvPr>
-            <p:ph type="pic" sz="quarter" idx="35"/>
-          </p:nvPr>
-        </p:nvPicPr>
-        <p:blipFill>
-          <a:blip r:embed="rId14">
-            <a:extLst>
-              <a:ext uri="{96DAC541-7B7A-43D3-8B79-37D633B846F1}">
-                <asvg:svgBlip xmlns:asvg="http://schemas.microsoft.com/office/drawing/2016/SVG/main" r:embed="rId15"/>
-              </a:ext>
-            </a:extLst>
-          </a:blip>
-          <a:srcRect/>
-          <a:stretch>
-            <a:fillRect/>
-          </a:stretch>
-        </p:blipFill>
-        <p:spPr/>
-      </p:pic>
-      <p:sp>
-        <p:nvSpPr>
-          <p:cNvPr id="15" name="Text Placeholder 14">
-            <a:extLst>
-              <a:ext uri="{FF2B5EF4-FFF2-40B4-BE49-F238E27FC236}">
-                <a16:creationId xmlns:a16="http://schemas.microsoft.com/office/drawing/2014/main" id="{6FBC7ACE-41BF-4DD1-82FB-60DBD927CEC3}"/>
-              </a:ext>
-            </a:extLst>
-          </p:cNvPr>
-          <p:cNvSpPr>
-            <a:spLocks noGrp="1"/>
-          </p:cNvSpPr>
-          <p:nvPr>
-            <p:ph type="body" sz="quarter" idx="22"/>
-          </p:nvPr>
-        </p:nvSpPr>
-        <p:spPr/>
-        <p:txBody>
-          <a:bodyPr/>
-          <a:lstStyle/>
-          <a:p>
-            <a:r>
-              <a:rPr lang="en-US" dirty="0"/>
-              <a:t>Clouds</a:t>
-            </a:r>
-            <a:endParaRPr lang="ru-RU" dirty="0"/>
-          </a:p>
-        </p:txBody>
-      </p:sp>
-      <p:sp>
-        <p:nvSpPr>
-          <p:cNvPr id="17" name="Text Placeholder 16">
-            <a:extLst>
-              <a:ext uri="{FF2B5EF4-FFF2-40B4-BE49-F238E27FC236}">
-                <a16:creationId xmlns:a16="http://schemas.microsoft.com/office/drawing/2014/main" id="{1311BD64-F862-4C85-8A6B-37D094B46EC2}"/>
-              </a:ext>
-            </a:extLst>
-          </p:cNvPr>
-          <p:cNvSpPr>
-            <a:spLocks noGrp="1"/>
-          </p:cNvSpPr>
-          <p:nvPr>
-            <p:ph type="body" sz="quarter" idx="24"/>
-          </p:nvPr>
-        </p:nvSpPr>
-        <p:spPr/>
-        <p:txBody>
-          <a:bodyPr/>
-          <a:lstStyle/>
-          <a:p>
-            <a:r>
-              <a:rPr lang="en-US" dirty="0"/>
-              <a:t>Latitude</a:t>
-            </a:r>
-            <a:endParaRPr lang="ru-RU" dirty="0"/>
-          </a:p>
-        </p:txBody>
-      </p:sp>
-      <p:sp>
-        <p:nvSpPr>
-          <p:cNvPr id="18" name="Text Placeholder 17">
-            <a:extLst>
-              <a:ext uri="{FF2B5EF4-FFF2-40B4-BE49-F238E27FC236}">
-                <a16:creationId xmlns:a16="http://schemas.microsoft.com/office/drawing/2014/main" id="{9F49BD41-5F0B-49E8-AF7C-6FE6299E9CD2}"/>
-              </a:ext>
-            </a:extLst>
-          </p:cNvPr>
-          <p:cNvSpPr>
-            <a:spLocks noGrp="1"/>
-          </p:cNvSpPr>
-          <p:nvPr>
-            <p:ph type="body" sz="quarter" idx="25"/>
-          </p:nvPr>
-        </p:nvSpPr>
-        <p:spPr/>
-        <p:txBody>
-          <a:bodyPr/>
-          <a:lstStyle/>
-          <a:p>
-            <a:r>
-              <a:rPr lang="en-US" dirty="0"/>
-              <a:t>Longitude</a:t>
-            </a:r>
-            <a:endParaRPr lang="ru-RU" dirty="0"/>
-          </a:p>
-        </p:txBody>
-      </p:sp>
-      <p:sp>
-        <p:nvSpPr>
-          <p:cNvPr id="16" name="Text Placeholder 15">
-            <a:extLst>
-              <a:ext uri="{FF2B5EF4-FFF2-40B4-BE49-F238E27FC236}">
-                <a16:creationId xmlns:a16="http://schemas.microsoft.com/office/drawing/2014/main" id="{E964837D-B749-47C0-8859-B608F056C11F}"/>
-              </a:ext>
-            </a:extLst>
-          </p:cNvPr>
-          <p:cNvSpPr>
-            <a:spLocks noGrp="1"/>
-          </p:cNvSpPr>
-          <p:nvPr>
-            <p:ph type="body" sz="quarter" idx="23"/>
-          </p:nvPr>
-        </p:nvSpPr>
-        <p:spPr/>
-        <p:txBody>
-          <a:bodyPr/>
-          <a:lstStyle/>
-          <a:p>
-            <a:r>
-              <a:rPr lang="en-US" dirty="0"/>
-              <a:t>Depart Time</a:t>
-            </a:r>
-            <a:endParaRPr lang="ru-RU" dirty="0"/>
-          </a:p>
-        </p:txBody>
-      </p:sp>
-      <p:sp>
-        <p:nvSpPr>
-          <p:cNvPr id="7" name="Text Placeholder 6">
-            <a:extLst>
-              <a:ext uri="{FF2B5EF4-FFF2-40B4-BE49-F238E27FC236}">
-                <a16:creationId xmlns:a16="http://schemas.microsoft.com/office/drawing/2014/main" id="{3566C738-D968-418F-8856-EF4E76E999DB}"/>
-              </a:ext>
-            </a:extLst>
-          </p:cNvPr>
-          <p:cNvSpPr>
-            <a:spLocks noGrp="1"/>
-          </p:cNvSpPr>
-          <p:nvPr>
-            <p:ph type="body" sz="quarter" idx="14"/>
-          </p:nvPr>
-        </p:nvSpPr>
-        <p:spPr/>
-        <p:txBody>
-          <a:bodyPr/>
-          <a:lstStyle/>
-          <a:p>
-            <a:r>
-              <a:rPr lang="en-US" dirty="0"/>
-              <a:t>Lorem ipsum dolor sit amet, consectetuer adipiscing elit. Maecenas porttitor congue massa. Fusce posuere</a:t>
-            </a:r>
-            <a:endParaRPr lang="ru-RU" dirty="0"/>
-          </a:p>
-        </p:txBody>
-      </p:sp>
-      <p:sp>
-        <p:nvSpPr>
-          <p:cNvPr id="9" name="Text Placeholder 8">
-            <a:extLst>
-              <a:ext uri="{FF2B5EF4-FFF2-40B4-BE49-F238E27FC236}">
-                <a16:creationId xmlns:a16="http://schemas.microsoft.com/office/drawing/2014/main" id="{6744FA19-886F-400B-8F4B-304605162AB0}"/>
-              </a:ext>
-            </a:extLst>
-          </p:cNvPr>
-          <p:cNvSpPr>
-            <a:spLocks noGrp="1"/>
-          </p:cNvSpPr>
-          <p:nvPr>
-            <p:ph type="body" sz="quarter" idx="16"/>
-          </p:nvPr>
-        </p:nvSpPr>
-        <p:spPr/>
-        <p:txBody>
-          <a:bodyPr/>
-          <a:lstStyle/>
-          <a:p>
-            <a:r>
-              <a:rPr lang="en-US" dirty="0"/>
-              <a:t>Lorem ipsum dolor sit amet, consectetuer adipiscing elit. Maecenas porttitor congue massa. Fusce posuere</a:t>
-            </a:r>
-            <a:endParaRPr lang="ru-RU" dirty="0"/>
-          </a:p>
-        </p:txBody>
-      </p:sp>
-      <p:sp>
-        <p:nvSpPr>
-          <p:cNvPr id="10" name="Text Placeholder 9">
-            <a:extLst>
-              <a:ext uri="{FF2B5EF4-FFF2-40B4-BE49-F238E27FC236}">
-                <a16:creationId xmlns:a16="http://schemas.microsoft.com/office/drawing/2014/main" id="{B5A1FC36-9475-4B00-93FA-42D000222D7C}"/>
-              </a:ext>
-            </a:extLst>
-          </p:cNvPr>
-          <p:cNvSpPr>
-            <a:spLocks noGrp="1"/>
-          </p:cNvSpPr>
-          <p:nvPr>
-            <p:ph type="body" sz="quarter" idx="17"/>
-          </p:nvPr>
-        </p:nvSpPr>
-        <p:spPr/>
-        <p:txBody>
-          <a:bodyPr/>
-          <a:lstStyle/>
-          <a:p>
-            <a:r>
-              <a:rPr lang="en-US" dirty="0"/>
-              <a:t>Lorem ipsum dolor sit amet, consectetuer adipiscing elit. Maecenas porttitor congue massa. Fusce posuere</a:t>
-            </a:r>
-            <a:endParaRPr lang="ru-RU" dirty="0"/>
-          </a:p>
-        </p:txBody>
-      </p:sp>
-      <p:sp>
-        <p:nvSpPr>
-          <p:cNvPr id="8" name="Text Placeholder 7">
-            <a:extLst>
-              <a:ext uri="{FF2B5EF4-FFF2-40B4-BE49-F238E27FC236}">
-                <a16:creationId xmlns:a16="http://schemas.microsoft.com/office/drawing/2014/main" id="{4BE9F4AE-6660-47E7-9A2C-E221974BEFC0}"/>
-              </a:ext>
-            </a:extLst>
-          </p:cNvPr>
-          <p:cNvSpPr>
-            <a:spLocks noGrp="1"/>
-          </p:cNvSpPr>
-          <p:nvPr>
-            <p:ph type="body" sz="quarter" idx="15"/>
-          </p:nvPr>
-        </p:nvSpPr>
-        <p:spPr/>
-        <p:txBody>
-          <a:bodyPr/>
-          <a:lstStyle/>
-          <a:p>
-            <a:r>
-              <a:rPr lang="en-US" dirty="0"/>
-              <a:t>Lorem ipsum dolor sit amet, consectetuer adipiscing elit. Maecenas porttitor congue massa. Fusce posuere</a:t>
-            </a:r>
-            <a:endParaRPr lang="ru-RU" dirty="0"/>
-          </a:p>
-        </p:txBody>
-      </p:sp>
-      <p:pic>
-        <p:nvPicPr>
-          <p:cNvPr id="30" name="Picture Placeholder 29" descr="Diagram&#10;&#10;Description automatically generated">
-            <a:extLst>
-              <a:ext uri="{FF2B5EF4-FFF2-40B4-BE49-F238E27FC236}">
-                <a16:creationId xmlns:a16="http://schemas.microsoft.com/office/drawing/2014/main" id="{07F09548-9BC1-B134-23A5-677CF0658007}"/>
-              </a:ext>
-            </a:extLst>
-          </p:cNvPr>
-          <p:cNvPicPr>
-            <a:picLocks noGrp="1" noChangeAspect="1"/>
-          </p:cNvPicPr>
-          <p:nvPr>
-            <p:ph type="pic" sz="quarter" idx="28"/>
-          </p:nvPr>
-        </p:nvPicPr>
-        <p:blipFill>
-          <a:blip r:embed="rId16"/>
-          <a:srcRect l="7792" r="7792"/>
-          <a:stretch>
-            <a:fillRect/>
-          </a:stretch>
-        </p:blipFill>
-        <p:spPr/>
-      </p:pic>
-      <p:pic>
-        <p:nvPicPr>
-          <p:cNvPr id="34" name="Picture Placeholder 33" descr="A picture containing arrow&#10;&#10;Description automatically generated">
-            <a:extLst>
-              <a:ext uri="{FF2B5EF4-FFF2-40B4-BE49-F238E27FC236}">
-                <a16:creationId xmlns:a16="http://schemas.microsoft.com/office/drawing/2014/main" id="{7EEF1778-D075-6097-CD01-7CFC8000F7E5}"/>
-              </a:ext>
-            </a:extLst>
-          </p:cNvPr>
-          <p:cNvPicPr>
-            <a:picLocks noGrp="1" noChangeAspect="1"/>
-          </p:cNvPicPr>
-          <p:nvPr>
-            <p:ph type="pic" sz="quarter" idx="29"/>
-          </p:nvPr>
-        </p:nvPicPr>
-        <p:blipFill>
-          <a:blip r:embed="rId17"/>
-          <a:srcRect/>
+          <a:blip r:embed="rId10"/>
+          <a:srcRect l="221" r="221"/>
           <a:stretch>
             <a:fillRect/>
           </a:stretch>
